--- a/07MasterPagesUserControls.pptx
+++ b/07MasterPagesUserControls.pptx
@@ -13,9 +13,9 @@
     <p:sldId id="349" r:id="rId4"/>
     <p:sldId id="310" r:id="rId5"/>
     <p:sldId id="350" r:id="rId6"/>
-    <p:sldId id="351" r:id="rId7"/>
-    <p:sldId id="347" r:id="rId8"/>
-    <p:sldId id="348" r:id="rId9"/>
+    <p:sldId id="355" r:id="rId7"/>
+    <p:sldId id="351" r:id="rId8"/>
+    <p:sldId id="347" r:id="rId9"/>
     <p:sldId id="311" r:id="rId10"/>
     <p:sldId id="352" r:id="rId11"/>
     <p:sldId id="354" r:id="rId12"/>
@@ -208,7 +208,7 @@
           <a:p>
             <a:fld id="{86035F98-A1BD-4CEA-97BE-8B0B3D35457A}" type="datetimeFigureOut">
               <a:rPr lang="de-DE" smtClean="0"/>
-              <a:t>31.05.2017</a:t>
+              <a:t>06.06.2018</a:t>
             </a:fld>
             <a:endParaRPr lang="de-DE"/>
           </a:p>
@@ -2158,7 +2158,7 @@
                 <a:latin typeface="Arial" panose="020B0604020202020204" pitchFamily="34" charset="0"/>
               </a:rPr>
               <a:pPr algn="r" eaLnBrk="1" hangingPunct="1"/>
-              <a:t>7</a:t>
+              <a:t>8</a:t>
             </a:fld>
             <a:endParaRPr lang="en-US" altLang="de-DE" sz="1200">
               <a:latin typeface="Arial" panose="020B0604020202020204" pitchFamily="34" charset="0"/>
@@ -2975,7 +2975,7 @@
           <a:p>
             <a:fld id="{D92B96C3-1F42-476F-BF68-0478C74608EE}" type="datetimeFigureOut">
               <a:rPr lang="de-DE" smtClean="0"/>
-              <a:t>31.05.2017</a:t>
+              <a:t>06.06.2018</a:t>
             </a:fld>
             <a:endParaRPr lang="de-DE"/>
           </a:p>
@@ -3143,7 +3143,7 @@
           <a:p>
             <a:fld id="{D92B96C3-1F42-476F-BF68-0478C74608EE}" type="datetimeFigureOut">
               <a:rPr lang="de-DE" smtClean="0"/>
-              <a:t>31.05.2017</a:t>
+              <a:t>06.06.2018</a:t>
             </a:fld>
             <a:endParaRPr lang="de-DE"/>
           </a:p>
@@ -3321,7 +3321,7 @@
           <a:p>
             <a:fld id="{D92B96C3-1F42-476F-BF68-0478C74608EE}" type="datetimeFigureOut">
               <a:rPr lang="de-DE" smtClean="0"/>
-              <a:t>31.05.2017</a:t>
+              <a:t>06.06.2018</a:t>
             </a:fld>
             <a:endParaRPr lang="de-DE"/>
           </a:p>
@@ -3489,7 +3489,7 @@
           <a:p>
             <a:fld id="{D92B96C3-1F42-476F-BF68-0478C74608EE}" type="datetimeFigureOut">
               <a:rPr lang="de-DE" smtClean="0"/>
-              <a:t>31.05.2017</a:t>
+              <a:t>06.06.2018</a:t>
             </a:fld>
             <a:endParaRPr lang="de-DE"/>
           </a:p>
@@ -3734,7 +3734,7 @@
           <a:p>
             <a:fld id="{D92B96C3-1F42-476F-BF68-0478C74608EE}" type="datetimeFigureOut">
               <a:rPr lang="de-DE" smtClean="0"/>
-              <a:t>31.05.2017</a:t>
+              <a:t>06.06.2018</a:t>
             </a:fld>
             <a:endParaRPr lang="de-DE"/>
           </a:p>
@@ -3963,7 +3963,7 @@
           <a:p>
             <a:fld id="{D92B96C3-1F42-476F-BF68-0478C74608EE}" type="datetimeFigureOut">
               <a:rPr lang="de-DE" smtClean="0"/>
-              <a:t>31.05.2017</a:t>
+              <a:t>06.06.2018</a:t>
             </a:fld>
             <a:endParaRPr lang="de-DE"/>
           </a:p>
@@ -4327,7 +4327,7 @@
           <a:p>
             <a:fld id="{D92B96C3-1F42-476F-BF68-0478C74608EE}" type="datetimeFigureOut">
               <a:rPr lang="de-DE" smtClean="0"/>
-              <a:t>31.05.2017</a:t>
+              <a:t>06.06.2018</a:t>
             </a:fld>
             <a:endParaRPr lang="de-DE"/>
           </a:p>
@@ -4444,7 +4444,7 @@
           <a:p>
             <a:fld id="{D92B96C3-1F42-476F-BF68-0478C74608EE}" type="datetimeFigureOut">
               <a:rPr lang="de-DE" smtClean="0"/>
-              <a:t>31.05.2017</a:t>
+              <a:t>06.06.2018</a:t>
             </a:fld>
             <a:endParaRPr lang="de-DE"/>
           </a:p>
@@ -4539,7 +4539,7 @@
           <a:p>
             <a:fld id="{D92B96C3-1F42-476F-BF68-0478C74608EE}" type="datetimeFigureOut">
               <a:rPr lang="de-DE" smtClean="0"/>
-              <a:t>31.05.2017</a:t>
+              <a:t>06.06.2018</a:t>
             </a:fld>
             <a:endParaRPr lang="de-DE"/>
           </a:p>
@@ -4814,7 +4814,7 @@
           <a:p>
             <a:fld id="{D92B96C3-1F42-476F-BF68-0478C74608EE}" type="datetimeFigureOut">
               <a:rPr lang="de-DE" smtClean="0"/>
-              <a:t>31.05.2017</a:t>
+              <a:t>06.06.2018</a:t>
             </a:fld>
             <a:endParaRPr lang="de-DE"/>
           </a:p>
@@ -5066,7 +5066,7 @@
           <a:p>
             <a:fld id="{D92B96C3-1F42-476F-BF68-0478C74608EE}" type="datetimeFigureOut">
               <a:rPr lang="de-DE" smtClean="0"/>
-              <a:t>31.05.2017</a:t>
+              <a:t>06.06.2018</a:t>
             </a:fld>
             <a:endParaRPr lang="de-DE"/>
           </a:p>
@@ -5277,7 +5277,7 @@
           <a:p>
             <a:fld id="{D92B96C3-1F42-476F-BF68-0478C74608EE}" type="datetimeFigureOut">
               <a:rPr lang="de-DE" smtClean="0"/>
-              <a:t>31.05.2017</a:t>
+              <a:t>06.06.2018</a:t>
             </a:fld>
             <a:endParaRPr lang="de-DE"/>
           </a:p>
@@ -6545,7 +6545,7 @@
           <a:p>
             <a:pPr algn="l"/>
             <a:r>
-              <a:rPr lang="en-US" sz="6000" dirty="0">
+              <a:rPr lang="en-US" sz="6000" dirty="0" smtClean="0">
                 <a:solidFill>
                   <a:schemeClr val="bg1">
                     <a:lumMod val="65000"/>
@@ -6553,7 +6553,18 @@
                 </a:solidFill>
                 <a:latin typeface="Century Gothic" panose="020B0502020202020204" pitchFamily="34" charset="0"/>
               </a:rPr>
-              <a:t>Master Page &amp; User Controls</a:t>
+              <a:t>Reuse und </a:t>
+            </a:r>
+            <a:r>
+              <a:rPr lang="en-US" sz="6000" dirty="0" err="1" smtClean="0">
+                <a:solidFill>
+                  <a:schemeClr val="bg1">
+                    <a:lumMod val="65000"/>
+                  </a:schemeClr>
+                </a:solidFill>
+                <a:latin typeface="Century Gothic" panose="020B0502020202020204" pitchFamily="34" charset="0"/>
+              </a:rPr>
+              <a:t>Struktur</a:t>
             </a:r>
             <a:endParaRPr lang="de-DE" sz="6000" dirty="0">
               <a:solidFill>
@@ -7752,11 +7763,7 @@
           <a:p>
             <a:r>
               <a:rPr lang="de-DE" dirty="0" smtClean="0"/>
-              <a:t>Hierarchisch </a:t>
-            </a:r>
-            <a:r>
-              <a:rPr lang="de-DE" dirty="0" smtClean="0"/>
-              <a:t>Schachtelbar</a:t>
+              <a:t>Hierarchisch Schachtelbar</a:t>
             </a:r>
           </a:p>
           <a:p>
@@ -7852,6 +7859,102 @@
 </file>
 
 <file path=ppt/slides/slide6.xml><?xml version="1.0" encoding="utf-8"?>
+<p:sld xmlns:a="http://schemas.openxmlformats.org/drawingml/2006/main" xmlns:r="http://schemas.openxmlformats.org/officeDocument/2006/relationships" xmlns:p="http://schemas.openxmlformats.org/presentationml/2006/main">
+  <p:cSld>
+    <p:spTree>
+      <p:nvGrpSpPr>
+        <p:cNvPr id="1" name=""/>
+        <p:cNvGrpSpPr/>
+        <p:nvPr/>
+      </p:nvGrpSpPr>
+      <p:grpSpPr>
+        <a:xfrm>
+          <a:off x="0" y="0"/>
+          <a:ext cx="0" cy="0"/>
+          <a:chOff x="0" y="0"/>
+          <a:chExt cx="0" cy="0"/>
+        </a:xfrm>
+      </p:grpSpPr>
+      <p:sp>
+        <p:nvSpPr>
+          <p:cNvPr id="2" name="Titel 1"/>
+          <p:cNvSpPr>
+            <a:spLocks noGrp="1"/>
+          </p:cNvSpPr>
+          <p:nvPr>
+            <p:ph type="title"/>
+          </p:nvPr>
+        </p:nvSpPr>
+        <p:spPr/>
+        <p:txBody>
+          <a:bodyPr/>
+          <a:lstStyle/>
+          <a:p>
+            <a:r>
+              <a:rPr lang="de-DE" dirty="0" smtClean="0"/>
+              <a:t>Tipp Struktur</a:t>
+            </a:r>
+            <a:endParaRPr lang="de-DE" dirty="0"/>
+          </a:p>
+        </p:txBody>
+      </p:sp>
+      <p:sp>
+        <p:nvSpPr>
+          <p:cNvPr id="3" name="Inhaltsplatzhalter 2"/>
+          <p:cNvSpPr>
+            <a:spLocks noGrp="1"/>
+          </p:cNvSpPr>
+          <p:nvPr>
+            <p:ph idx="1"/>
+          </p:nvPr>
+        </p:nvSpPr>
+        <p:spPr/>
+        <p:txBody>
+          <a:bodyPr/>
+          <a:lstStyle/>
+          <a:p>
+            <a:r>
+              <a:rPr lang="de-DE" dirty="0" smtClean="0"/>
+              <a:t>Head</a:t>
+            </a:r>
+          </a:p>
+          <a:p>
+            <a:r>
+              <a:rPr lang="de-DE" dirty="0" err="1" smtClean="0"/>
+              <a:t>ContentMain</a:t>
+            </a:r>
+            <a:endParaRPr lang="de-DE" dirty="0" smtClean="0"/>
+          </a:p>
+          <a:p>
+            <a:r>
+              <a:rPr lang="de-DE" dirty="0" err="1" smtClean="0"/>
+              <a:t>ClientScripts</a:t>
+            </a:r>
+            <a:endParaRPr lang="de-DE" dirty="0"/>
+          </a:p>
+        </p:txBody>
+      </p:sp>
+    </p:spTree>
+    <p:extLst>
+      <p:ext uri="{BB962C8B-B14F-4D97-AF65-F5344CB8AC3E}">
+        <p14:creationId xmlns:p14="http://schemas.microsoft.com/office/powerpoint/2010/main" val="2767850688"/>
+      </p:ext>
+    </p:extLst>
+  </p:cSld>
+  <p:clrMapOvr>
+    <a:masterClrMapping/>
+  </p:clrMapOvr>
+  <p:timing>
+    <p:tnLst>
+      <p:par>
+        <p:cTn id="1" dur="indefinite" restart="never" nodeType="tmRoot"/>
+      </p:par>
+    </p:tnLst>
+  </p:timing>
+</p:sld>
+</file>
+
+<file path=ppt/slides/slide7.xml><?xml version="1.0" encoding="utf-8"?>
 <p:sld xmlns:a="http://schemas.openxmlformats.org/drawingml/2006/main" xmlns:r="http://schemas.openxmlformats.org/officeDocument/2006/relationships" xmlns:p="http://schemas.openxmlformats.org/presentationml/2006/main">
   <p:cSld>
     <p:spTree>
@@ -8001,7 +8104,7 @@
 </p:sld>
 </file>
 
-<file path=ppt/slides/slide7.xml><?xml version="1.0" encoding="utf-8"?>
+<file path=ppt/slides/slide8.xml><?xml version="1.0" encoding="utf-8"?>
 <p:sld xmlns:a="http://schemas.openxmlformats.org/drawingml/2006/main" xmlns:r="http://schemas.openxmlformats.org/officeDocument/2006/relationships" xmlns:p="http://schemas.openxmlformats.org/presentationml/2006/main">
   <p:cSld>
     <p:spTree>
@@ -8855,103 +8958,6 @@
     <p:extLst>
       <p:ext uri="{BB962C8B-B14F-4D97-AF65-F5344CB8AC3E}">
         <p14:creationId xmlns:p14="http://schemas.microsoft.com/office/powerpoint/2010/main" val="1915141471"/>
-      </p:ext>
-    </p:extLst>
-  </p:cSld>
-  <p:clrMapOvr>
-    <a:masterClrMapping/>
-  </p:clrMapOvr>
-  <p:timing>
-    <p:tnLst>
-      <p:par>
-        <p:cTn id="1" dur="indefinite" restart="never" nodeType="tmRoot"/>
-      </p:par>
-    </p:tnLst>
-  </p:timing>
-</p:sld>
-</file>
-
-<file path=ppt/slides/slide8.xml><?xml version="1.0" encoding="utf-8"?>
-<p:sld xmlns:a="http://schemas.openxmlformats.org/drawingml/2006/main" xmlns:r="http://schemas.openxmlformats.org/officeDocument/2006/relationships" xmlns:p="http://schemas.openxmlformats.org/presentationml/2006/main">
-  <p:cSld>
-    <p:spTree>
-      <p:nvGrpSpPr>
-        <p:cNvPr id="1" name=""/>
-        <p:cNvGrpSpPr/>
-        <p:nvPr/>
-      </p:nvGrpSpPr>
-      <p:grpSpPr>
-        <a:xfrm>
-          <a:off x="0" y="0"/>
-          <a:ext cx="0" cy="0"/>
-          <a:chOff x="0" y="0"/>
-          <a:chExt cx="0" cy="0"/>
-        </a:xfrm>
-      </p:grpSpPr>
-      <p:sp>
-        <p:nvSpPr>
-          <p:cNvPr id="2" name="Titel 1"/>
-          <p:cNvSpPr>
-            <a:spLocks noGrp="1"/>
-          </p:cNvSpPr>
-          <p:nvPr>
-            <p:ph type="title"/>
-          </p:nvPr>
-        </p:nvSpPr>
-        <p:spPr/>
-        <p:txBody>
-          <a:bodyPr/>
-          <a:lstStyle/>
-          <a:p>
-            <a:r>
-              <a:rPr lang="de-DE" dirty="0" smtClean="0"/>
-              <a:t>Menu</a:t>
-            </a:r>
-            <a:endParaRPr lang="de-DE" dirty="0"/>
-          </a:p>
-        </p:txBody>
-      </p:sp>
-      <p:sp>
-        <p:nvSpPr>
-          <p:cNvPr id="3" name="Inhaltsplatzhalter 2"/>
-          <p:cNvSpPr>
-            <a:spLocks noGrp="1"/>
-          </p:cNvSpPr>
-          <p:nvPr>
-            <p:ph idx="1"/>
-          </p:nvPr>
-        </p:nvSpPr>
-        <p:spPr/>
-        <p:txBody>
-          <a:bodyPr/>
-          <a:lstStyle/>
-          <a:p>
-            <a:r>
-              <a:rPr lang="de-DE" dirty="0" smtClean="0"/>
-              <a:t>Menu Control</a:t>
-            </a:r>
-          </a:p>
-          <a:p>
-            <a:pPr lvl="1"/>
-            <a:r>
-              <a:rPr lang="de-DE" smtClean="0"/>
-              <a:t>Sitemap</a:t>
-            </a:r>
-            <a:endParaRPr lang="de-DE" dirty="0" smtClean="0"/>
-          </a:p>
-          <a:p>
-            <a:r>
-              <a:rPr lang="de-DE" dirty="0" err="1" smtClean="0"/>
-              <a:t>Treeview</a:t>
-            </a:r>
-            <a:endParaRPr lang="de-DE" dirty="0"/>
-          </a:p>
-        </p:txBody>
-      </p:sp>
-    </p:spTree>
-    <p:extLst>
-      <p:ext uri="{BB962C8B-B14F-4D97-AF65-F5344CB8AC3E}">
-        <p14:creationId xmlns:p14="http://schemas.microsoft.com/office/powerpoint/2010/main" val="2394436610"/>
       </p:ext>
     </p:extLst>
   </p:cSld>

--- a/07MasterPagesUserControls.pptx
+++ b/07MasterPagesUserControls.pptx
@@ -5916,11 +5916,15 @@
             </a:r>
             <a:r>
               <a:rPr lang="de-DE" dirty="0" smtClean="0"/>
-              <a:t> dienen als Schnittstelle nach </a:t>
-            </a:r>
-            <a:r>
-              <a:rPr lang="de-DE" dirty="0" err="1" smtClean="0"/>
-              <a:t>aussen</a:t>
+              <a:t> dienen als Schnittstelle </a:t>
+            </a:r>
+            <a:r>
+              <a:rPr lang="de-DE" smtClean="0"/>
+              <a:t>nach </a:t>
+            </a:r>
+            <a:r>
+              <a:rPr lang="de-DE" smtClean="0"/>
+              <a:t>außen</a:t>
             </a:r>
             <a:endParaRPr lang="de-DE" dirty="0" smtClean="0"/>
           </a:p>
@@ -7781,11 +7785,15 @@
             </a:r>
             <a:r>
               <a:rPr lang="de-DE" dirty="0" err="1" smtClean="0"/>
-              <a:t>bundlreference</a:t>
+              <a:t>bundlereference</a:t>
             </a:r>
             <a:r>
               <a:rPr lang="de-DE" dirty="0" smtClean="0"/>
-              <a:t> hindert </a:t>
+              <a:t> </a:t>
+            </a:r>
+            <a:r>
+              <a:rPr lang="de-DE" dirty="0" smtClean="0"/>
+              <a:t>hindert </a:t>
             </a:r>
             <a:r>
               <a:rPr lang="de-DE" dirty="0" err="1" smtClean="0"/>
@@ -7816,22 +7824,14 @@
             </a:r>
             <a:r>
               <a:rPr lang="de-DE" dirty="0" smtClean="0"/>
-              <a:t> Drop die </a:t>
-            </a:r>
-            <a:r>
-              <a:rPr lang="de-DE" dirty="0" err="1" smtClean="0"/>
-              <a:t>bootstrap</a:t>
-            </a:r>
-            <a:r>
-              <a:rPr lang="de-DE" dirty="0" smtClean="0"/>
-              <a:t> </a:t>
+              <a:t> Drop die bootstrap </a:t>
             </a:r>
             <a:r>
               <a:rPr lang="de-DE" dirty="0" err="1" smtClean="0"/>
               <a:t>css</a:t>
             </a:r>
             <a:r>
-              <a:rPr lang="de-DE" smtClean="0"/>
+              <a:rPr lang="de-DE" dirty="0" smtClean="0"/>
               <a:t> reinziehen</a:t>
             </a:r>
             <a:endParaRPr lang="de-DE" dirty="0"/>
